--- a/Project 4.pptx
+++ b/Project 4.pptx
@@ -10658,7 +10658,7 @@
           <a:p>
             <a:r>
               <a:rPr lang="en-US" dirty="0"/>
-              <a:t>Shows Occupation Avg. Status</a:t>
+              <a:t>Occupation Versus Avg. Status</a:t>
             </a:r>
           </a:p>
         </p:txBody>
@@ -10797,7 +10797,7 @@
           <a:p>
             <a:r>
               <a:rPr lang="en-US" sz="1800" dirty="0"/>
-              <a:t>The prediction of the logistic regression model has a no rate of success in Precision identifying the '0’ (delinquent credit reports) and high rate for  '1’ (good or paid off credit reports). in recall ‘0’ there is a 100% of STATUS, while ‘1’ has a 0% recall of dues paid . The F1-score of 75% reflects the measure of precision to recall of this class. In summary, this is a skewed logistic regression model that has a higher result relevancy, with low to none truly relevant results returned for status Credit Reports.</a:t>
+              <a:t>The prediction of the logistic regression model has no rate of success in Precision identifying the '0’ (delinquent credit reports) and high rate for  '1’ (good or paid off credit reports). in recall ‘0’ there is a 100% of STATUS, while ‘1’ has a 0% recall of dues paid . The F1-score of 75% reflects the measure of precision to recall of this class. In summary, this is a skewed logistic regression model that has a higher result relevancy, with low to none truly relevant results returned for status Credit Reports.</a:t>
             </a:r>
           </a:p>
         </p:txBody>
@@ -14456,26 +14456,6 @@
 </file>
 
 <file path=customXml/item1.xml><?xml version="1.0" encoding="utf-8"?>
-<p:properties xmlns:p="http://schemas.microsoft.com/office/2006/metadata/properties" xmlns:xsi="http://www.w3.org/2001/XMLSchema-instance" xmlns:pc="http://schemas.microsoft.com/office/infopath/2007/PartnerControls">
-  <documentManagement>
-    <Status xmlns="71af3243-3dd4-4a8d-8c0d-dd76da1f02a5">Not started</Status>
-    <_ip_UnifiedCompliancePolicyUIAction xmlns="http://schemas.microsoft.com/sharepoint/v3" xsi:nil="true"/>
-    <Image xmlns="71af3243-3dd4-4a8d-8c0d-dd76da1f02a5">
-      <Url xsi:nil="true"/>
-      <Description xsi:nil="true"/>
-    </Image>
-    <_ip_UnifiedCompliancePolicyProperties xmlns="http://schemas.microsoft.com/sharepoint/v3" xsi:nil="true"/>
-    <TaxCatchAll xmlns="230e9df3-be65-4c73-a93b-d1236ebd677e" xsi:nil="true"/>
-    <MediaServiceKeyPoints xmlns="71af3243-3dd4-4a8d-8c0d-dd76da1f02a5" xsi:nil="true"/>
-    <Background xmlns="71af3243-3dd4-4a8d-8c0d-dd76da1f02a5">false</Background>
-    <ImageTagsTaxHTField xmlns="71af3243-3dd4-4a8d-8c0d-dd76da1f02a5">
-      <Terms xmlns="http://schemas.microsoft.com/office/infopath/2007/PartnerControls"/>
-    </ImageTagsTaxHTField>
-  </documentManagement>
-</p:properties>
-</file>
-
-<file path=customXml/item2.xml><?xml version="1.0" encoding="utf-8"?>
 <ct:contentTypeSchema xmlns:ct="http://schemas.microsoft.com/office/2006/metadata/contentType" xmlns:ma="http://schemas.microsoft.com/office/2006/metadata/properties/metaAttributes" ct:_="" ma:_="" ma:contentTypeName="Document" ma:contentTypeID="0x01010079F111ED35F8CC479449609E8A0923A6" ma:contentTypeVersion="28" ma:contentTypeDescription="Create a new document." ma:contentTypeScope="" ma:versionID="60f5a4f2d2b0abadcf532d48ebf9cb71">
   <xsd:schema xmlns:xsd="http://www.w3.org/2001/XMLSchema" xmlns:xs="http://www.w3.org/2001/XMLSchema" xmlns:p="http://schemas.microsoft.com/office/2006/metadata/properties" xmlns:ns1="http://schemas.microsoft.com/sharepoint/v3" xmlns:ns2="71af3243-3dd4-4a8d-8c0d-dd76da1f02a5" xmlns:ns3="16c05727-aa75-4e4a-9b5f-8a80a1165891" xmlns:ns4="230e9df3-be65-4c73-a93b-d1236ebd677e" targetNamespace="http://schemas.microsoft.com/office/2006/metadata/properties" ma:root="true" ma:fieldsID="7dd78129e6a1811f84807ad11c651531" ns1:_="" ns2:_="" ns3:_="" ns4:_="">
     <xsd:import namespace="http://schemas.microsoft.com/sharepoint/v3"/>
@@ -14787,6 +14767,26 @@
 </ct:contentTypeSchema>
 </file>
 
+<file path=customXml/item2.xml><?xml version="1.0" encoding="utf-8"?>
+<p:properties xmlns:p="http://schemas.microsoft.com/office/2006/metadata/properties" xmlns:xsi="http://www.w3.org/2001/XMLSchema-instance" xmlns:pc="http://schemas.microsoft.com/office/infopath/2007/PartnerControls">
+  <documentManagement>
+    <Status xmlns="71af3243-3dd4-4a8d-8c0d-dd76da1f02a5">Not started</Status>
+    <_ip_UnifiedCompliancePolicyUIAction xmlns="http://schemas.microsoft.com/sharepoint/v3" xsi:nil="true"/>
+    <Image xmlns="71af3243-3dd4-4a8d-8c0d-dd76da1f02a5">
+      <Url xsi:nil="true"/>
+      <Description xsi:nil="true"/>
+    </Image>
+    <_ip_UnifiedCompliancePolicyProperties xmlns="http://schemas.microsoft.com/sharepoint/v3" xsi:nil="true"/>
+    <TaxCatchAll xmlns="230e9df3-be65-4c73-a93b-d1236ebd677e" xsi:nil="true"/>
+    <MediaServiceKeyPoints xmlns="71af3243-3dd4-4a8d-8c0d-dd76da1f02a5" xsi:nil="true"/>
+    <Background xmlns="71af3243-3dd4-4a8d-8c0d-dd76da1f02a5">false</Background>
+    <ImageTagsTaxHTField xmlns="71af3243-3dd4-4a8d-8c0d-dd76da1f02a5">
+      <Terms xmlns="http://schemas.microsoft.com/office/infopath/2007/PartnerControls"/>
+    </ImageTagsTaxHTField>
+  </documentManagement>
+</p:properties>
+</file>
+
 <file path=customXml/item3.xml><?xml version="1.0" encoding="utf-8"?>
 <?mso-contentType ?>
 <FormTemplates xmlns="http://schemas.microsoft.com/sharepoint/v3/contenttype/forms">
@@ -14797,18 +14797,6 @@
 </file>
 
 <file path=customXml/itemProps1.xml><?xml version="1.0" encoding="utf-8"?>
-<ds:datastoreItem xmlns:ds="http://schemas.openxmlformats.org/officeDocument/2006/customXml" ds:itemID="{AC263D7C-E9CB-4C77-8528-77A30083B7FC}">
-  <ds:schemaRefs>
-    <ds:schemaRef ds:uri="http://schemas.microsoft.com/office/2006/metadata/properties"/>
-    <ds:schemaRef ds:uri="http://schemas.microsoft.com/office/infopath/2007/PartnerControls"/>
-    <ds:schemaRef ds:uri="71af3243-3dd4-4a8d-8c0d-dd76da1f02a5"/>
-    <ds:schemaRef ds:uri="http://schemas.microsoft.com/sharepoint/v3"/>
-    <ds:schemaRef ds:uri="230e9df3-be65-4c73-a93b-d1236ebd677e"/>
-  </ds:schemaRefs>
-</ds:datastoreItem>
-</file>
-
-<file path=customXml/itemProps2.xml><?xml version="1.0" encoding="utf-8"?>
 <ds:datastoreItem xmlns:ds="http://schemas.openxmlformats.org/officeDocument/2006/customXml" ds:itemID="{5462B0DF-AFCF-4681-BDD6-4CC4EE7AE353}">
   <ds:schemaRefs>
     <ds:schemaRef ds:uri="http://schemas.microsoft.com/office/2006/metadata/contentType"/>
@@ -14829,6 +14817,18 @@
 </ds:datastoreItem>
 </file>
 
+<file path=customXml/itemProps2.xml><?xml version="1.0" encoding="utf-8"?>
+<ds:datastoreItem xmlns:ds="http://schemas.openxmlformats.org/officeDocument/2006/customXml" ds:itemID="{AC263D7C-E9CB-4C77-8528-77A30083B7FC}">
+  <ds:schemaRefs>
+    <ds:schemaRef ds:uri="http://schemas.microsoft.com/office/2006/metadata/properties"/>
+    <ds:schemaRef ds:uri="http://schemas.microsoft.com/office/infopath/2007/PartnerControls"/>
+    <ds:schemaRef ds:uri="71af3243-3dd4-4a8d-8c0d-dd76da1f02a5"/>
+    <ds:schemaRef ds:uri="http://schemas.microsoft.com/sharepoint/v3"/>
+    <ds:schemaRef ds:uri="230e9df3-be65-4c73-a93b-d1236ebd677e"/>
+  </ds:schemaRefs>
+</ds:datastoreItem>
+</file>
+
 <file path=customXml/itemProps3.xml><?xml version="1.0" encoding="utf-8"?>
 <ds:datastoreItem xmlns:ds="http://schemas.openxmlformats.org/officeDocument/2006/customXml" ds:itemID="{191F1737-EB5A-49A3-BFCA-A97A8DCDF401}">
   <ds:schemaRefs>
